--- a/fall2016/lectures/15-DoSAmplification.pptx
+++ b/fall2016/lectures/15-DoSAmplification.pptx
@@ -229,7 +229,7 @@
           <a:p>
             <a:fld id="{C489DC69-7FD6-374A-A9ED-9FD6B5D82017}" type="datetimeFigureOut">
               <a:rPr lang="en-US" smtClean="0"/>
-              <a:t>11/16/16</a:t>
+              <a:t>11/30/16</a:t>
             </a:fld>
             <a:endParaRPr lang="en-US"/>
           </a:p>
@@ -3321,7 +3321,7 @@
           <a:p>
             <a:fld id="{F3D5891B-EC81-2D4E-B0F5-DB55AA43B06E}" type="datetimeFigureOut">
               <a:rPr lang="en-US" smtClean="0"/>
-              <a:t>11/16/16</a:t>
+              <a:t>11/30/16</a:t>
             </a:fld>
             <a:endParaRPr lang="en-US"/>
           </a:p>
@@ -3491,7 +3491,7 @@
           <a:p>
             <a:fld id="{F3D5891B-EC81-2D4E-B0F5-DB55AA43B06E}" type="datetimeFigureOut">
               <a:rPr lang="en-US" smtClean="0"/>
-              <a:t>11/16/16</a:t>
+              <a:t>11/30/16</a:t>
             </a:fld>
             <a:endParaRPr lang="en-US"/>
           </a:p>
@@ -3671,7 +3671,7 @@
           <a:p>
             <a:fld id="{F3D5891B-EC81-2D4E-B0F5-DB55AA43B06E}" type="datetimeFigureOut">
               <a:rPr lang="en-US" smtClean="0"/>
-              <a:t>11/16/16</a:t>
+              <a:t>11/30/16</a:t>
             </a:fld>
             <a:endParaRPr lang="en-US"/>
           </a:p>
@@ -3841,7 +3841,7 @@
           <a:p>
             <a:fld id="{F3D5891B-EC81-2D4E-B0F5-DB55AA43B06E}" type="datetimeFigureOut">
               <a:rPr lang="en-US" smtClean="0"/>
-              <a:t>11/16/16</a:t>
+              <a:t>11/30/16</a:t>
             </a:fld>
             <a:endParaRPr lang="en-US"/>
           </a:p>
@@ -4087,7 +4087,7 @@
           <a:p>
             <a:fld id="{F3D5891B-EC81-2D4E-B0F5-DB55AA43B06E}" type="datetimeFigureOut">
               <a:rPr lang="en-US" smtClean="0"/>
-              <a:t>11/16/16</a:t>
+              <a:t>11/30/16</a:t>
             </a:fld>
             <a:endParaRPr lang="en-US"/>
           </a:p>
@@ -4375,7 +4375,7 @@
           <a:p>
             <a:fld id="{F3D5891B-EC81-2D4E-B0F5-DB55AA43B06E}" type="datetimeFigureOut">
               <a:rPr lang="en-US" smtClean="0"/>
-              <a:t>11/16/16</a:t>
+              <a:t>11/30/16</a:t>
             </a:fld>
             <a:endParaRPr lang="en-US"/>
           </a:p>
@@ -4797,7 +4797,7 @@
           <a:p>
             <a:fld id="{F3D5891B-EC81-2D4E-B0F5-DB55AA43B06E}" type="datetimeFigureOut">
               <a:rPr lang="en-US" smtClean="0"/>
-              <a:t>11/16/16</a:t>
+              <a:t>11/30/16</a:t>
             </a:fld>
             <a:endParaRPr lang="en-US"/>
           </a:p>
@@ -4915,7 +4915,7 @@
           <a:p>
             <a:fld id="{F3D5891B-EC81-2D4E-B0F5-DB55AA43B06E}" type="datetimeFigureOut">
               <a:rPr lang="en-US" smtClean="0"/>
-              <a:t>11/16/16</a:t>
+              <a:t>11/30/16</a:t>
             </a:fld>
             <a:endParaRPr lang="en-US"/>
           </a:p>
@@ -5010,7 +5010,7 @@
           <a:p>
             <a:fld id="{F3D5891B-EC81-2D4E-B0F5-DB55AA43B06E}" type="datetimeFigureOut">
               <a:rPr lang="en-US" smtClean="0"/>
-              <a:t>11/16/16</a:t>
+              <a:t>11/30/16</a:t>
             </a:fld>
             <a:endParaRPr lang="en-US"/>
           </a:p>
@@ -5287,7 +5287,7 @@
           <a:p>
             <a:fld id="{F3D5891B-EC81-2D4E-B0F5-DB55AA43B06E}" type="datetimeFigureOut">
               <a:rPr lang="en-US" smtClean="0"/>
-              <a:t>11/16/16</a:t>
+              <a:t>11/30/16</a:t>
             </a:fld>
             <a:endParaRPr lang="en-US"/>
           </a:p>
@@ -5540,7 +5540,7 @@
           <a:p>
             <a:fld id="{F3D5891B-EC81-2D4E-B0F5-DB55AA43B06E}" type="datetimeFigureOut">
               <a:rPr lang="en-US" smtClean="0"/>
-              <a:t>11/16/16</a:t>
+              <a:t>11/30/16</a:t>
             </a:fld>
             <a:endParaRPr lang="en-US"/>
           </a:p>
@@ -5753,7 +5753,7 @@
           <a:p>
             <a:fld id="{F3D5891B-EC81-2D4E-B0F5-DB55AA43B06E}" type="datetimeFigureOut">
               <a:rPr lang="en-US" smtClean="0"/>
-              <a:t>11/16/16</a:t>
+              <a:t>11/30/16</a:t>
             </a:fld>
             <a:endParaRPr lang="en-US"/>
           </a:p>
@@ -21226,7 +21226,7 @@
             <a:graphicData uri="http://schemas.openxmlformats.org/presentationml/2006/ole">
               <mc:AlternateContent xmlns:mc="http://schemas.openxmlformats.org/markup-compatibility/2006">
                 <mc:Choice xmlns:v="urn:schemas-microsoft-com:vml" Requires="v">
-                  <p:oleObj spid="_x0000_s1122" name="Visio" r:id="rId4" imgW="6096000" imgH="2755900" progId="Visio.Drawing.6">
+                  <p:oleObj spid="_x0000_s1124" name="Visio" r:id="rId4" imgW="6096000" imgH="2755900" progId="Visio.Drawing.6">
                     <p:embed/>
                   </p:oleObj>
                 </mc:Choice>
